--- a/docs/NPIE2022_Schweinberger_GenEx.pptx
+++ b/docs/NPIE2022_Schweinberger_GenEx.pptx
@@ -1969,7 +1969,7 @@
         <p:fade/>
       </p:transition>
     </mc:Choice>
-    <mc:Fallback xmlns="" xmlns:mv="urn:schemas-microsoft-com:mac:vml" xmlns:c="http://schemas.openxmlformats.org/drawingml/2006/chart" xmlns:dgm="http://schemas.openxmlformats.org/drawingml/2006/diagram" xmlns:o="urn:schemas-microsoft-com:office:office" xmlns:v="urn:schemas-microsoft-com:vml" xmlns:pvml="urn:schemas-microsoft-com:office:powerpoint" xmlns:com="http://schemas.openxmlformats.org/drawingml/2006/compatibility" xmlns:p15="http://schemas.microsoft.com/office/powerpoint/2012/main" xmlns:ahyp="http://schemas.microsoft.com/office/drawing/2018/hyperlinkcolor">
+    <mc:Fallback xmlns:ahyp="http://schemas.microsoft.com/office/drawing/2018/hyperlinkcolor" xmlns:p15="http://schemas.microsoft.com/office/powerpoint/2012/main" xmlns:com="http://schemas.openxmlformats.org/drawingml/2006/compatibility" xmlns:pvml="urn:schemas-microsoft-com:office:powerpoint" xmlns:v="urn:schemas-microsoft-com:vml" xmlns:o="urn:schemas-microsoft-com:office:office" xmlns:dgm="http://schemas.openxmlformats.org/drawingml/2006/diagram" xmlns:c="http://schemas.openxmlformats.org/drawingml/2006/chart" xmlns:mv="urn:schemas-microsoft-com:mac:vml" xmlns="">
       <p:transition spd="slow">
         <p:fade/>
       </p:transition>
@@ -3278,7 +3278,7 @@
         <p:fade/>
       </p:transition>
     </mc:Choice>
-    <mc:Fallback xmlns="" xmlns:mv="urn:schemas-microsoft-com:mac:vml" xmlns:c="http://schemas.openxmlformats.org/drawingml/2006/chart" xmlns:dgm="http://schemas.openxmlformats.org/drawingml/2006/diagram" xmlns:o="urn:schemas-microsoft-com:office:office" xmlns:v="urn:schemas-microsoft-com:vml" xmlns:pvml="urn:schemas-microsoft-com:office:powerpoint" xmlns:com="http://schemas.openxmlformats.org/drawingml/2006/compatibility" xmlns:p15="http://schemas.microsoft.com/office/powerpoint/2012/main" xmlns:ahyp="http://schemas.microsoft.com/office/drawing/2018/hyperlinkcolor">
+    <mc:Fallback xmlns:ahyp="http://schemas.microsoft.com/office/drawing/2018/hyperlinkcolor" xmlns:p15="http://schemas.microsoft.com/office/powerpoint/2012/main" xmlns:com="http://schemas.openxmlformats.org/drawingml/2006/compatibility" xmlns:pvml="urn:schemas-microsoft-com:office:powerpoint" xmlns:v="urn:schemas-microsoft-com:vml" xmlns:o="urn:schemas-microsoft-com:office:office" xmlns:dgm="http://schemas.openxmlformats.org/drawingml/2006/diagram" xmlns:c="http://schemas.openxmlformats.org/drawingml/2006/chart" xmlns:mv="urn:schemas-microsoft-com:mac:vml" xmlns="">
       <p:transition spd="slow">
         <p:fade/>
       </p:transition>
@@ -4421,7 +4421,7 @@
         <p:fade/>
       </p:transition>
     </mc:Choice>
-    <mc:Fallback xmlns="" xmlns:mv="urn:schemas-microsoft-com:mac:vml" xmlns:c="http://schemas.openxmlformats.org/drawingml/2006/chart" xmlns:dgm="http://schemas.openxmlformats.org/drawingml/2006/diagram" xmlns:o="urn:schemas-microsoft-com:office:office" xmlns:v="urn:schemas-microsoft-com:vml" xmlns:pvml="urn:schemas-microsoft-com:office:powerpoint" xmlns:com="http://schemas.openxmlformats.org/drawingml/2006/compatibility" xmlns:p15="http://schemas.microsoft.com/office/powerpoint/2012/main" xmlns:ahyp="http://schemas.microsoft.com/office/drawing/2018/hyperlinkcolor">
+    <mc:Fallback xmlns:ahyp="http://schemas.microsoft.com/office/drawing/2018/hyperlinkcolor" xmlns:p15="http://schemas.microsoft.com/office/powerpoint/2012/main" xmlns:com="http://schemas.openxmlformats.org/drawingml/2006/compatibility" xmlns:pvml="urn:schemas-microsoft-com:office:powerpoint" xmlns:v="urn:schemas-microsoft-com:vml" xmlns:o="urn:schemas-microsoft-com:office:office" xmlns:dgm="http://schemas.openxmlformats.org/drawingml/2006/diagram" xmlns:c="http://schemas.openxmlformats.org/drawingml/2006/chart" xmlns:mv="urn:schemas-microsoft-com:mac:vml" xmlns="">
       <p:transition spd="slow">
         <p:fade/>
       </p:transition>
@@ -5564,7 +5564,7 @@
         <p:fade/>
       </p:transition>
     </mc:Choice>
-    <mc:Fallback xmlns="" xmlns:mv="urn:schemas-microsoft-com:mac:vml" xmlns:c="http://schemas.openxmlformats.org/drawingml/2006/chart" xmlns:dgm="http://schemas.openxmlformats.org/drawingml/2006/diagram" xmlns:o="urn:schemas-microsoft-com:office:office" xmlns:v="urn:schemas-microsoft-com:vml" xmlns:pvml="urn:schemas-microsoft-com:office:powerpoint" xmlns:com="http://schemas.openxmlformats.org/drawingml/2006/compatibility" xmlns:p15="http://schemas.microsoft.com/office/powerpoint/2012/main" xmlns:ahyp="http://schemas.microsoft.com/office/drawing/2018/hyperlinkcolor">
+    <mc:Fallback xmlns:ahyp="http://schemas.microsoft.com/office/drawing/2018/hyperlinkcolor" xmlns:p15="http://schemas.microsoft.com/office/powerpoint/2012/main" xmlns:com="http://schemas.openxmlformats.org/drawingml/2006/compatibility" xmlns:pvml="urn:schemas-microsoft-com:office:powerpoint" xmlns:v="urn:schemas-microsoft-com:vml" xmlns:o="urn:schemas-microsoft-com:office:office" xmlns:dgm="http://schemas.openxmlformats.org/drawingml/2006/diagram" xmlns:c="http://schemas.openxmlformats.org/drawingml/2006/chart" xmlns:mv="urn:schemas-microsoft-com:mac:vml" xmlns="">
       <p:transition spd="slow">
         <p:fade/>
       </p:transition>
@@ -6806,7 +6806,7 @@
         <p:fade/>
       </p:transition>
     </mc:Choice>
-    <mc:Fallback xmlns="" xmlns:mv="urn:schemas-microsoft-com:mac:vml" xmlns:c="http://schemas.openxmlformats.org/drawingml/2006/chart" xmlns:dgm="http://schemas.openxmlformats.org/drawingml/2006/diagram" xmlns:o="urn:schemas-microsoft-com:office:office" xmlns:v="urn:schemas-microsoft-com:vml" xmlns:pvml="urn:schemas-microsoft-com:office:powerpoint" xmlns:com="http://schemas.openxmlformats.org/drawingml/2006/compatibility" xmlns:p15="http://schemas.microsoft.com/office/powerpoint/2012/main" xmlns:ahyp="http://schemas.microsoft.com/office/drawing/2018/hyperlinkcolor">
+    <mc:Fallback xmlns:ahyp="http://schemas.microsoft.com/office/drawing/2018/hyperlinkcolor" xmlns:p15="http://schemas.microsoft.com/office/powerpoint/2012/main" xmlns:com="http://schemas.openxmlformats.org/drawingml/2006/compatibility" xmlns:pvml="urn:schemas-microsoft-com:office:powerpoint" xmlns:v="urn:schemas-microsoft-com:vml" xmlns:o="urn:schemas-microsoft-com:office:office" xmlns:dgm="http://schemas.openxmlformats.org/drawingml/2006/diagram" xmlns:c="http://schemas.openxmlformats.org/drawingml/2006/chart" xmlns:mv="urn:schemas-microsoft-com:mac:vml" xmlns="">
       <p:transition spd="slow">
         <p:fade/>
       </p:transition>
@@ -8041,7 +8041,7 @@
         <p:fade/>
       </p:transition>
     </mc:Choice>
-    <mc:Fallback xmlns="" xmlns:mv="urn:schemas-microsoft-com:mac:vml" xmlns:c="http://schemas.openxmlformats.org/drawingml/2006/chart" xmlns:dgm="http://schemas.openxmlformats.org/drawingml/2006/diagram" xmlns:o="urn:schemas-microsoft-com:office:office" xmlns:v="urn:schemas-microsoft-com:vml" xmlns:pvml="urn:schemas-microsoft-com:office:powerpoint" xmlns:com="http://schemas.openxmlformats.org/drawingml/2006/compatibility" xmlns:p15="http://schemas.microsoft.com/office/powerpoint/2012/main" xmlns:ahyp="http://schemas.microsoft.com/office/drawing/2018/hyperlinkcolor">
+    <mc:Fallback xmlns:ahyp="http://schemas.microsoft.com/office/drawing/2018/hyperlinkcolor" xmlns:p15="http://schemas.microsoft.com/office/powerpoint/2012/main" xmlns:com="http://schemas.openxmlformats.org/drawingml/2006/compatibility" xmlns:pvml="urn:schemas-microsoft-com:office:powerpoint" xmlns:v="urn:schemas-microsoft-com:vml" xmlns:o="urn:schemas-microsoft-com:office:office" xmlns:dgm="http://schemas.openxmlformats.org/drawingml/2006/diagram" xmlns:c="http://schemas.openxmlformats.org/drawingml/2006/chart" xmlns:mv="urn:schemas-microsoft-com:mac:vml" xmlns="">
       <p:transition spd="slow">
         <p:fade/>
       </p:transition>
@@ -9106,7 +9106,7 @@
         <p:fade/>
       </p:transition>
     </mc:Choice>
-    <mc:Fallback xmlns="" xmlns:mv="urn:schemas-microsoft-com:mac:vml" xmlns:c="http://schemas.openxmlformats.org/drawingml/2006/chart" xmlns:dgm="http://schemas.openxmlformats.org/drawingml/2006/diagram" xmlns:o="urn:schemas-microsoft-com:office:office" xmlns:v="urn:schemas-microsoft-com:vml" xmlns:pvml="urn:schemas-microsoft-com:office:powerpoint" xmlns:com="http://schemas.openxmlformats.org/drawingml/2006/compatibility" xmlns:p15="http://schemas.microsoft.com/office/powerpoint/2012/main" xmlns:ahyp="http://schemas.microsoft.com/office/drawing/2018/hyperlinkcolor">
+    <mc:Fallback xmlns:ahyp="http://schemas.microsoft.com/office/drawing/2018/hyperlinkcolor" xmlns:p15="http://schemas.microsoft.com/office/powerpoint/2012/main" xmlns:com="http://schemas.openxmlformats.org/drawingml/2006/compatibility" xmlns:pvml="urn:schemas-microsoft-com:office:powerpoint" xmlns:v="urn:schemas-microsoft-com:vml" xmlns:o="urn:schemas-microsoft-com:office:office" xmlns:dgm="http://schemas.openxmlformats.org/drawingml/2006/diagram" xmlns:c="http://schemas.openxmlformats.org/drawingml/2006/chart" xmlns:mv="urn:schemas-microsoft-com:mac:vml" xmlns="">
       <p:transition spd="slow">
         <p:fade/>
       </p:transition>
@@ -10341,7 +10341,7 @@
         <p:fade/>
       </p:transition>
     </mc:Choice>
-    <mc:Fallback xmlns="" xmlns:mv="urn:schemas-microsoft-com:mac:vml" xmlns:c="http://schemas.openxmlformats.org/drawingml/2006/chart" xmlns:dgm="http://schemas.openxmlformats.org/drawingml/2006/diagram" xmlns:o="urn:schemas-microsoft-com:office:office" xmlns:v="urn:schemas-microsoft-com:vml" xmlns:pvml="urn:schemas-microsoft-com:office:powerpoint" xmlns:com="http://schemas.openxmlformats.org/drawingml/2006/compatibility" xmlns:p15="http://schemas.microsoft.com/office/powerpoint/2012/main" xmlns:ahyp="http://schemas.microsoft.com/office/drawing/2018/hyperlinkcolor">
+    <mc:Fallback xmlns:ahyp="http://schemas.microsoft.com/office/drawing/2018/hyperlinkcolor" xmlns:p15="http://schemas.microsoft.com/office/powerpoint/2012/main" xmlns:com="http://schemas.openxmlformats.org/drawingml/2006/compatibility" xmlns:pvml="urn:schemas-microsoft-com:office:powerpoint" xmlns:v="urn:schemas-microsoft-com:vml" xmlns:o="urn:schemas-microsoft-com:office:office" xmlns:dgm="http://schemas.openxmlformats.org/drawingml/2006/diagram" xmlns:c="http://schemas.openxmlformats.org/drawingml/2006/chart" xmlns:mv="urn:schemas-microsoft-com:mac:vml" xmlns="">
       <p:transition spd="slow">
         <p:fade/>
       </p:transition>
@@ -11576,7 +11576,7 @@
         <p:fade/>
       </p:transition>
     </mc:Choice>
-    <mc:Fallback xmlns="" xmlns:mv="urn:schemas-microsoft-com:mac:vml" xmlns:c="http://schemas.openxmlformats.org/drawingml/2006/chart" xmlns:dgm="http://schemas.openxmlformats.org/drawingml/2006/diagram" xmlns:o="urn:schemas-microsoft-com:office:office" xmlns:v="urn:schemas-microsoft-com:vml" xmlns:pvml="urn:schemas-microsoft-com:office:powerpoint" xmlns:com="http://schemas.openxmlformats.org/drawingml/2006/compatibility" xmlns:p15="http://schemas.microsoft.com/office/powerpoint/2012/main" xmlns:ahyp="http://schemas.microsoft.com/office/drawing/2018/hyperlinkcolor">
+    <mc:Fallback xmlns:ahyp="http://schemas.microsoft.com/office/drawing/2018/hyperlinkcolor" xmlns:p15="http://schemas.microsoft.com/office/powerpoint/2012/main" xmlns:com="http://schemas.openxmlformats.org/drawingml/2006/compatibility" xmlns:pvml="urn:schemas-microsoft-com:office:powerpoint" xmlns:v="urn:schemas-microsoft-com:vml" xmlns:o="urn:schemas-microsoft-com:office:office" xmlns:dgm="http://schemas.openxmlformats.org/drawingml/2006/diagram" xmlns:c="http://schemas.openxmlformats.org/drawingml/2006/chart" xmlns:mv="urn:schemas-microsoft-com:mac:vml" xmlns="">
       <p:transition spd="slow">
         <p:fade/>
       </p:transition>
@@ -12734,7 +12734,7 @@
         <p:fade/>
       </p:transition>
     </mc:Choice>
-    <mc:Fallback xmlns="" xmlns:mv="urn:schemas-microsoft-com:mac:vml" xmlns:c="http://schemas.openxmlformats.org/drawingml/2006/chart" xmlns:dgm="http://schemas.openxmlformats.org/drawingml/2006/diagram" xmlns:o="urn:schemas-microsoft-com:office:office" xmlns:v="urn:schemas-microsoft-com:vml" xmlns:pvml="urn:schemas-microsoft-com:office:powerpoint" xmlns:com="http://schemas.openxmlformats.org/drawingml/2006/compatibility" xmlns:p15="http://schemas.microsoft.com/office/powerpoint/2012/main" xmlns:ahyp="http://schemas.microsoft.com/office/drawing/2018/hyperlinkcolor">
+    <mc:Fallback xmlns:ahyp="http://schemas.microsoft.com/office/drawing/2018/hyperlinkcolor" xmlns:p15="http://schemas.microsoft.com/office/powerpoint/2012/main" xmlns:com="http://schemas.openxmlformats.org/drawingml/2006/compatibility" xmlns:pvml="urn:schemas-microsoft-com:office:powerpoint" xmlns:v="urn:schemas-microsoft-com:vml" xmlns:o="urn:schemas-microsoft-com:office:office" xmlns:dgm="http://schemas.openxmlformats.org/drawingml/2006/diagram" xmlns:c="http://schemas.openxmlformats.org/drawingml/2006/chart" xmlns:mv="urn:schemas-microsoft-com:mac:vml" xmlns="">
       <p:transition spd="slow">
         <p:fade/>
       </p:transition>
@@ -14062,7 +14062,7 @@
         <p:fade/>
       </p:transition>
     </mc:Choice>
-    <mc:Fallback xmlns="" xmlns:mv="urn:schemas-microsoft-com:mac:vml" xmlns:c="http://schemas.openxmlformats.org/drawingml/2006/chart" xmlns:dgm="http://schemas.openxmlformats.org/drawingml/2006/diagram" xmlns:o="urn:schemas-microsoft-com:office:office" xmlns:v="urn:schemas-microsoft-com:vml" xmlns:pvml="urn:schemas-microsoft-com:office:powerpoint" xmlns:com="http://schemas.openxmlformats.org/drawingml/2006/compatibility" xmlns:p15="http://schemas.microsoft.com/office/powerpoint/2012/main" xmlns:ahyp="http://schemas.microsoft.com/office/drawing/2018/hyperlinkcolor">
+    <mc:Fallback xmlns:ahyp="http://schemas.microsoft.com/office/drawing/2018/hyperlinkcolor" xmlns:p15="http://schemas.microsoft.com/office/powerpoint/2012/main" xmlns:com="http://schemas.openxmlformats.org/drawingml/2006/compatibility" xmlns:pvml="urn:schemas-microsoft-com:office:powerpoint" xmlns:v="urn:schemas-microsoft-com:vml" xmlns:o="urn:schemas-microsoft-com:office:office" xmlns:dgm="http://schemas.openxmlformats.org/drawingml/2006/diagram" xmlns:c="http://schemas.openxmlformats.org/drawingml/2006/chart" xmlns:mv="urn:schemas-microsoft-com:mac:vml" xmlns="">
       <p:transition spd="slow">
         <p:fade/>
       </p:transition>
@@ -14844,7 +14844,7 @@
         <p:fade/>
       </p:transition>
     </mc:Choice>
-    <mc:Fallback xmlns="" xmlns:mv="urn:schemas-microsoft-com:mac:vml" xmlns:c="http://schemas.openxmlformats.org/drawingml/2006/chart" xmlns:dgm="http://schemas.openxmlformats.org/drawingml/2006/diagram" xmlns:o="urn:schemas-microsoft-com:office:office" xmlns:v="urn:schemas-microsoft-com:vml" xmlns:pvml="urn:schemas-microsoft-com:office:powerpoint" xmlns:com="http://schemas.openxmlformats.org/drawingml/2006/compatibility" xmlns:p15="http://schemas.microsoft.com/office/powerpoint/2012/main" xmlns:ahyp="http://schemas.microsoft.com/office/drawing/2018/hyperlinkcolor">
+    <mc:Fallback xmlns:ahyp="http://schemas.microsoft.com/office/drawing/2018/hyperlinkcolor" xmlns:p15="http://schemas.microsoft.com/office/powerpoint/2012/main" xmlns:com="http://schemas.openxmlformats.org/drawingml/2006/compatibility" xmlns:pvml="urn:schemas-microsoft-com:office:powerpoint" xmlns:v="urn:schemas-microsoft-com:vml" xmlns:o="urn:schemas-microsoft-com:office:office" xmlns:dgm="http://schemas.openxmlformats.org/drawingml/2006/diagram" xmlns:c="http://schemas.openxmlformats.org/drawingml/2006/chart" xmlns:mv="urn:schemas-microsoft-com:mac:vml" xmlns="">
       <p:transition spd="slow">
         <p:fade/>
       </p:transition>
@@ -16288,7 +16288,7 @@
         <p:fade/>
       </p:transition>
     </mc:Choice>
-    <mc:Fallback xmlns="" xmlns:mv="urn:schemas-microsoft-com:mac:vml" xmlns:c="http://schemas.openxmlformats.org/drawingml/2006/chart" xmlns:dgm="http://schemas.openxmlformats.org/drawingml/2006/diagram" xmlns:o="urn:schemas-microsoft-com:office:office" xmlns:v="urn:schemas-microsoft-com:vml" xmlns:pvml="urn:schemas-microsoft-com:office:powerpoint" xmlns:com="http://schemas.openxmlformats.org/drawingml/2006/compatibility" xmlns:p15="http://schemas.microsoft.com/office/powerpoint/2012/main" xmlns:ahyp="http://schemas.microsoft.com/office/drawing/2018/hyperlinkcolor">
+    <mc:Fallback xmlns:ahyp="http://schemas.microsoft.com/office/drawing/2018/hyperlinkcolor" xmlns:p15="http://schemas.microsoft.com/office/powerpoint/2012/main" xmlns:com="http://schemas.openxmlformats.org/drawingml/2006/compatibility" xmlns:pvml="urn:schemas-microsoft-com:office:powerpoint" xmlns:v="urn:schemas-microsoft-com:vml" xmlns:o="urn:schemas-microsoft-com:office:office" xmlns:dgm="http://schemas.openxmlformats.org/drawingml/2006/diagram" xmlns:c="http://schemas.openxmlformats.org/drawingml/2006/chart" xmlns:mv="urn:schemas-microsoft-com:mac:vml" xmlns="">
       <p:transition spd="slow">
         <p:fade/>
       </p:transition>
@@ -18297,7 +18297,7 @@
         <p:fade/>
       </p:transition>
     </mc:Choice>
-    <mc:Fallback xmlns="" xmlns:mv="urn:schemas-microsoft-com:mac:vml" xmlns:c="http://schemas.openxmlformats.org/drawingml/2006/chart" xmlns:dgm="http://schemas.openxmlformats.org/drawingml/2006/diagram" xmlns:o="urn:schemas-microsoft-com:office:office" xmlns:v="urn:schemas-microsoft-com:vml" xmlns:pvml="urn:schemas-microsoft-com:office:powerpoint" xmlns:com="http://schemas.openxmlformats.org/drawingml/2006/compatibility" xmlns:p15="http://schemas.microsoft.com/office/powerpoint/2012/main" xmlns:ahyp="http://schemas.microsoft.com/office/drawing/2018/hyperlinkcolor">
+    <mc:Fallback xmlns:ahyp="http://schemas.microsoft.com/office/drawing/2018/hyperlinkcolor" xmlns:p15="http://schemas.microsoft.com/office/powerpoint/2012/main" xmlns:com="http://schemas.openxmlformats.org/drawingml/2006/compatibility" xmlns:pvml="urn:schemas-microsoft-com:office:powerpoint" xmlns:v="urn:schemas-microsoft-com:vml" xmlns:o="urn:schemas-microsoft-com:office:office" xmlns:dgm="http://schemas.openxmlformats.org/drawingml/2006/diagram" xmlns:c="http://schemas.openxmlformats.org/drawingml/2006/chart" xmlns:mv="urn:schemas-microsoft-com:mac:vml" xmlns="">
       <p:transition spd="slow">
         <p:fade/>
       </p:transition>
@@ -20404,7 +20404,7 @@
         <p:fade/>
       </p:transition>
     </mc:Choice>
-    <mc:Fallback xmlns="" xmlns:mv="urn:schemas-microsoft-com:mac:vml" xmlns:c="http://schemas.openxmlformats.org/drawingml/2006/chart" xmlns:dgm="http://schemas.openxmlformats.org/drawingml/2006/diagram" xmlns:o="urn:schemas-microsoft-com:office:office" xmlns:v="urn:schemas-microsoft-com:vml" xmlns:pvml="urn:schemas-microsoft-com:office:powerpoint" xmlns:com="http://schemas.openxmlformats.org/drawingml/2006/compatibility" xmlns:p15="http://schemas.microsoft.com/office/powerpoint/2012/main" xmlns:ahyp="http://schemas.microsoft.com/office/drawing/2018/hyperlinkcolor">
+    <mc:Fallback xmlns:ahyp="http://schemas.microsoft.com/office/drawing/2018/hyperlinkcolor" xmlns:p15="http://schemas.microsoft.com/office/powerpoint/2012/main" xmlns:com="http://schemas.openxmlformats.org/drawingml/2006/compatibility" xmlns:pvml="urn:schemas-microsoft-com:office:powerpoint" xmlns:v="urn:schemas-microsoft-com:vml" xmlns:o="urn:schemas-microsoft-com:office:office" xmlns:dgm="http://schemas.openxmlformats.org/drawingml/2006/diagram" xmlns:c="http://schemas.openxmlformats.org/drawingml/2006/chart" xmlns:mv="urn:schemas-microsoft-com:mac:vml" xmlns="">
       <p:transition spd="slow">
         <p:fade/>
       </p:transition>
@@ -24875,7 +24875,7 @@
         <p:fade/>
       </p:transition>
     </mc:Choice>
-    <mc:Fallback xmlns="" xmlns:mv="urn:schemas-microsoft-com:mac:vml" xmlns:c="http://schemas.openxmlformats.org/drawingml/2006/chart" xmlns:dgm="http://schemas.openxmlformats.org/drawingml/2006/diagram" xmlns:o="urn:schemas-microsoft-com:office:office" xmlns:v="urn:schemas-microsoft-com:vml" xmlns:pvml="urn:schemas-microsoft-com:office:powerpoint" xmlns:com="http://schemas.openxmlformats.org/drawingml/2006/compatibility" xmlns:p15="http://schemas.microsoft.com/office/powerpoint/2012/main" xmlns:ahyp="http://schemas.microsoft.com/office/drawing/2018/hyperlinkcolor">
+    <mc:Fallback xmlns:ahyp="http://schemas.microsoft.com/office/drawing/2018/hyperlinkcolor" xmlns:p15="http://schemas.microsoft.com/office/powerpoint/2012/main" xmlns:com="http://schemas.openxmlformats.org/drawingml/2006/compatibility" xmlns:pvml="urn:schemas-microsoft-com:office:powerpoint" xmlns:v="urn:schemas-microsoft-com:vml" xmlns:o="urn:schemas-microsoft-com:office:office" xmlns:dgm="http://schemas.openxmlformats.org/drawingml/2006/diagram" xmlns:c="http://schemas.openxmlformats.org/drawingml/2006/chart" xmlns:mv="urn:schemas-microsoft-com:mac:vml" xmlns="">
       <p:transition spd="slow">
         <p:fade/>
       </p:transition>
@@ -27814,7 +27814,7 @@
         <p:fade/>
       </p:transition>
     </mc:Choice>
-    <mc:Fallback xmlns="" xmlns:mv="urn:schemas-microsoft-com:mac:vml" xmlns:c="http://schemas.openxmlformats.org/drawingml/2006/chart" xmlns:dgm="http://schemas.openxmlformats.org/drawingml/2006/diagram" xmlns:o="urn:schemas-microsoft-com:office:office" xmlns:v="urn:schemas-microsoft-com:vml" xmlns:pvml="urn:schemas-microsoft-com:office:powerpoint" xmlns:com="http://schemas.openxmlformats.org/drawingml/2006/compatibility" xmlns:p15="http://schemas.microsoft.com/office/powerpoint/2012/main" xmlns:ahyp="http://schemas.microsoft.com/office/drawing/2018/hyperlinkcolor">
+    <mc:Fallback xmlns:ahyp="http://schemas.microsoft.com/office/drawing/2018/hyperlinkcolor" xmlns:p15="http://schemas.microsoft.com/office/powerpoint/2012/main" xmlns:com="http://schemas.openxmlformats.org/drawingml/2006/compatibility" xmlns:pvml="urn:schemas-microsoft-com:office:powerpoint" xmlns:v="urn:schemas-microsoft-com:vml" xmlns:o="urn:schemas-microsoft-com:office:office" xmlns:dgm="http://schemas.openxmlformats.org/drawingml/2006/diagram" xmlns:c="http://schemas.openxmlformats.org/drawingml/2006/chart" xmlns:mv="urn:schemas-microsoft-com:mac:vml" xmlns="">
       <p:transition spd="slow">
         <p:fade/>
       </p:transition>
@@ -28963,7 +28963,7 @@
         <p:fade/>
       </p:transition>
     </mc:Choice>
-    <mc:Fallback xmlns="" xmlns:mv="urn:schemas-microsoft-com:mac:vml" xmlns:c="http://schemas.openxmlformats.org/drawingml/2006/chart" xmlns:dgm="http://schemas.openxmlformats.org/drawingml/2006/diagram" xmlns:o="urn:schemas-microsoft-com:office:office" xmlns:v="urn:schemas-microsoft-com:vml" xmlns:pvml="urn:schemas-microsoft-com:office:powerpoint" xmlns:com="http://schemas.openxmlformats.org/drawingml/2006/compatibility" xmlns:p15="http://schemas.microsoft.com/office/powerpoint/2012/main" xmlns:ahyp="http://schemas.microsoft.com/office/drawing/2018/hyperlinkcolor">
+    <mc:Fallback xmlns:ahyp="http://schemas.microsoft.com/office/drawing/2018/hyperlinkcolor" xmlns:p15="http://schemas.microsoft.com/office/powerpoint/2012/main" xmlns:com="http://schemas.openxmlformats.org/drawingml/2006/compatibility" xmlns:pvml="urn:schemas-microsoft-com:office:powerpoint" xmlns:v="urn:schemas-microsoft-com:vml" xmlns:o="urn:schemas-microsoft-com:office:office" xmlns:dgm="http://schemas.openxmlformats.org/drawingml/2006/diagram" xmlns:c="http://schemas.openxmlformats.org/drawingml/2006/chart" xmlns:mv="urn:schemas-microsoft-com:mac:vml" xmlns="">
       <p:transition spd="slow">
         <p:fade/>
       </p:transition>
@@ -30112,7 +30112,7 @@
         <p:fade/>
       </p:transition>
     </mc:Choice>
-    <mc:Fallback xmlns="" xmlns:mv="urn:schemas-microsoft-com:mac:vml" xmlns:c="http://schemas.openxmlformats.org/drawingml/2006/chart" xmlns:dgm="http://schemas.openxmlformats.org/drawingml/2006/diagram" xmlns:o="urn:schemas-microsoft-com:office:office" xmlns:v="urn:schemas-microsoft-com:vml" xmlns:pvml="urn:schemas-microsoft-com:office:powerpoint" xmlns:com="http://schemas.openxmlformats.org/drawingml/2006/compatibility" xmlns:p15="http://schemas.microsoft.com/office/powerpoint/2012/main" xmlns:ahyp="http://schemas.microsoft.com/office/drawing/2018/hyperlinkcolor">
+    <mc:Fallback xmlns:ahyp="http://schemas.microsoft.com/office/drawing/2018/hyperlinkcolor" xmlns:p15="http://schemas.microsoft.com/office/powerpoint/2012/main" xmlns:com="http://schemas.openxmlformats.org/drawingml/2006/compatibility" xmlns:pvml="urn:schemas-microsoft-com:office:powerpoint" xmlns:v="urn:schemas-microsoft-com:vml" xmlns:o="urn:schemas-microsoft-com:office:office" xmlns:dgm="http://schemas.openxmlformats.org/drawingml/2006/diagram" xmlns:c="http://schemas.openxmlformats.org/drawingml/2006/chart" xmlns:mv="urn:schemas-microsoft-com:mac:vml" xmlns="">
       <p:transition spd="slow">
         <p:fade/>
       </p:transition>
@@ -31261,7 +31261,7 @@
         <p:fade/>
       </p:transition>
     </mc:Choice>
-    <mc:Fallback xmlns="" xmlns:mv="urn:schemas-microsoft-com:mac:vml" xmlns:c="http://schemas.openxmlformats.org/drawingml/2006/chart" xmlns:dgm="http://schemas.openxmlformats.org/drawingml/2006/diagram" xmlns:o="urn:schemas-microsoft-com:office:office" xmlns:v="urn:schemas-microsoft-com:vml" xmlns:pvml="urn:schemas-microsoft-com:office:powerpoint" xmlns:com="http://schemas.openxmlformats.org/drawingml/2006/compatibility" xmlns:p15="http://schemas.microsoft.com/office/powerpoint/2012/main" xmlns:ahyp="http://schemas.microsoft.com/office/drawing/2018/hyperlinkcolor">
+    <mc:Fallback xmlns:ahyp="http://schemas.microsoft.com/office/drawing/2018/hyperlinkcolor" xmlns:p15="http://schemas.microsoft.com/office/powerpoint/2012/main" xmlns:com="http://schemas.openxmlformats.org/drawingml/2006/compatibility" xmlns:pvml="urn:schemas-microsoft-com:office:powerpoint" xmlns:v="urn:schemas-microsoft-com:vml" xmlns:o="urn:schemas-microsoft-com:office:office" xmlns:dgm="http://schemas.openxmlformats.org/drawingml/2006/diagram" xmlns:c="http://schemas.openxmlformats.org/drawingml/2006/chart" xmlns:mv="urn:schemas-microsoft-com:mac:vml" xmlns="">
       <p:transition spd="slow">
         <p:fade/>
       </p:transition>
@@ -32410,7 +32410,7 @@
         <p:fade/>
       </p:transition>
     </mc:Choice>
-    <mc:Fallback xmlns="" xmlns:mv="urn:schemas-microsoft-com:mac:vml" xmlns:c="http://schemas.openxmlformats.org/drawingml/2006/chart" xmlns:dgm="http://schemas.openxmlformats.org/drawingml/2006/diagram" xmlns:o="urn:schemas-microsoft-com:office:office" xmlns:v="urn:schemas-microsoft-com:vml" xmlns:pvml="urn:schemas-microsoft-com:office:powerpoint" xmlns:com="http://schemas.openxmlformats.org/drawingml/2006/compatibility" xmlns:p15="http://schemas.microsoft.com/office/powerpoint/2012/main" xmlns:ahyp="http://schemas.microsoft.com/office/drawing/2018/hyperlinkcolor">
+    <mc:Fallback xmlns:ahyp="http://schemas.microsoft.com/office/drawing/2018/hyperlinkcolor" xmlns:p15="http://schemas.microsoft.com/office/powerpoint/2012/main" xmlns:com="http://schemas.openxmlformats.org/drawingml/2006/compatibility" xmlns:pvml="urn:schemas-microsoft-com:office:powerpoint" xmlns:v="urn:schemas-microsoft-com:vml" xmlns:o="urn:schemas-microsoft-com:office:office" xmlns:dgm="http://schemas.openxmlformats.org/drawingml/2006/diagram" xmlns:c="http://schemas.openxmlformats.org/drawingml/2006/chart" xmlns:mv="urn:schemas-microsoft-com:mac:vml" xmlns="">
       <p:transition spd="slow">
         <p:fade/>
       </p:transition>
@@ -33749,7 +33749,7 @@
         <p:fade/>
       </p:transition>
     </mc:Choice>
-    <mc:Fallback xmlns="" xmlns:mv="urn:schemas-microsoft-com:mac:vml" xmlns:c="http://schemas.openxmlformats.org/drawingml/2006/chart" xmlns:dgm="http://schemas.openxmlformats.org/drawingml/2006/diagram" xmlns:o="urn:schemas-microsoft-com:office:office" xmlns:v="urn:schemas-microsoft-com:vml" xmlns:pvml="urn:schemas-microsoft-com:office:powerpoint" xmlns:com="http://schemas.openxmlformats.org/drawingml/2006/compatibility" xmlns:p15="http://schemas.microsoft.com/office/powerpoint/2012/main" xmlns:ahyp="http://schemas.microsoft.com/office/drawing/2018/hyperlinkcolor">
+    <mc:Fallback xmlns:ahyp="http://schemas.microsoft.com/office/drawing/2018/hyperlinkcolor" xmlns:p15="http://schemas.microsoft.com/office/powerpoint/2012/main" xmlns:com="http://schemas.openxmlformats.org/drawingml/2006/compatibility" xmlns:pvml="urn:schemas-microsoft-com:office:powerpoint" xmlns:v="urn:schemas-microsoft-com:vml" xmlns:o="urn:schemas-microsoft-com:office:office" xmlns:dgm="http://schemas.openxmlformats.org/drawingml/2006/diagram" xmlns:c="http://schemas.openxmlformats.org/drawingml/2006/chart" xmlns:mv="urn:schemas-microsoft-com:mac:vml" xmlns="">
       <p:transition spd="slow">
         <p:fade/>
       </p:transition>
@@ -34350,7 +34350,7 @@
         <p:fade/>
       </p:transition>
     </mc:Choice>
-    <mc:Fallback xmlns="" xmlns:mv="urn:schemas-microsoft-com:mac:vml" xmlns:c="http://schemas.openxmlformats.org/drawingml/2006/chart" xmlns:dgm="http://schemas.openxmlformats.org/drawingml/2006/diagram" xmlns:o="urn:schemas-microsoft-com:office:office" xmlns:v="urn:schemas-microsoft-com:vml" xmlns:pvml="urn:schemas-microsoft-com:office:powerpoint" xmlns:com="http://schemas.openxmlformats.org/drawingml/2006/compatibility" xmlns:p15="http://schemas.microsoft.com/office/powerpoint/2012/main" xmlns:ahyp="http://schemas.microsoft.com/office/drawing/2018/hyperlinkcolor">
+    <mc:Fallback xmlns:ahyp="http://schemas.microsoft.com/office/drawing/2018/hyperlinkcolor" xmlns:p15="http://schemas.microsoft.com/office/powerpoint/2012/main" xmlns:com="http://schemas.openxmlformats.org/drawingml/2006/compatibility" xmlns:pvml="urn:schemas-microsoft-com:office:powerpoint" xmlns:v="urn:schemas-microsoft-com:vml" xmlns:o="urn:schemas-microsoft-com:office:office" xmlns:dgm="http://schemas.openxmlformats.org/drawingml/2006/diagram" xmlns:c="http://schemas.openxmlformats.org/drawingml/2006/chart" xmlns:mv="urn:schemas-microsoft-com:mac:vml" xmlns="">
       <p:transition spd="slow">
         <p:fade/>
       </p:transition>
@@ -35991,7 +35991,7 @@
         <p:fade/>
       </p:transition>
     </mc:Choice>
-    <mc:Fallback xmlns="" xmlns:mv="urn:schemas-microsoft-com:mac:vml" xmlns:c="http://schemas.openxmlformats.org/drawingml/2006/chart" xmlns:dgm="http://schemas.openxmlformats.org/drawingml/2006/diagram" xmlns:o="urn:schemas-microsoft-com:office:office" xmlns:v="urn:schemas-microsoft-com:vml" xmlns:pvml="urn:schemas-microsoft-com:office:powerpoint" xmlns:com="http://schemas.openxmlformats.org/drawingml/2006/compatibility" xmlns:p15="http://schemas.microsoft.com/office/powerpoint/2012/main" xmlns:ahyp="http://schemas.microsoft.com/office/drawing/2018/hyperlinkcolor">
+    <mc:Fallback xmlns:ahyp="http://schemas.microsoft.com/office/drawing/2018/hyperlinkcolor" xmlns:p15="http://schemas.microsoft.com/office/powerpoint/2012/main" xmlns:com="http://schemas.openxmlformats.org/drawingml/2006/compatibility" xmlns:pvml="urn:schemas-microsoft-com:office:powerpoint" xmlns:v="urn:schemas-microsoft-com:vml" xmlns:o="urn:schemas-microsoft-com:office:office" xmlns:dgm="http://schemas.openxmlformats.org/drawingml/2006/diagram" xmlns:c="http://schemas.openxmlformats.org/drawingml/2006/chart" xmlns:mv="urn:schemas-microsoft-com:mac:vml" xmlns="">
       <p:transition spd="slow">
         <p:fade/>
       </p:transition>
@@ -37976,7 +37976,7 @@
         <p:fade/>
       </p:transition>
     </mc:Choice>
-    <mc:Fallback xmlns="" xmlns:mv="urn:schemas-microsoft-com:mac:vml" xmlns:c="http://schemas.openxmlformats.org/drawingml/2006/chart" xmlns:dgm="http://schemas.openxmlformats.org/drawingml/2006/diagram" xmlns:o="urn:schemas-microsoft-com:office:office" xmlns:v="urn:schemas-microsoft-com:vml" xmlns:pvml="urn:schemas-microsoft-com:office:powerpoint" xmlns:com="http://schemas.openxmlformats.org/drawingml/2006/compatibility" xmlns:p15="http://schemas.microsoft.com/office/powerpoint/2012/main" xmlns:ahyp="http://schemas.microsoft.com/office/drawing/2018/hyperlinkcolor">
+    <mc:Fallback xmlns:ahyp="http://schemas.microsoft.com/office/drawing/2018/hyperlinkcolor" xmlns:p15="http://schemas.microsoft.com/office/powerpoint/2012/main" xmlns:com="http://schemas.openxmlformats.org/drawingml/2006/compatibility" xmlns:pvml="urn:schemas-microsoft-com:office:powerpoint" xmlns:v="urn:schemas-microsoft-com:vml" xmlns:o="urn:schemas-microsoft-com:office:office" xmlns:dgm="http://schemas.openxmlformats.org/drawingml/2006/diagram" xmlns:c="http://schemas.openxmlformats.org/drawingml/2006/chart" xmlns:mv="urn:schemas-microsoft-com:mac:vml" xmlns="">
       <p:transition spd="slow">
         <p:fade/>
       </p:transition>
@@ -38787,7 +38787,7 @@
         <p:fade/>
       </p:transition>
     </mc:Choice>
-    <mc:Fallback xmlns="" xmlns:mv="urn:schemas-microsoft-com:mac:vml" xmlns:c="http://schemas.openxmlformats.org/drawingml/2006/chart" xmlns:dgm="http://schemas.openxmlformats.org/drawingml/2006/diagram" xmlns:o="urn:schemas-microsoft-com:office:office" xmlns:v="urn:schemas-microsoft-com:vml" xmlns:pvml="urn:schemas-microsoft-com:office:powerpoint" xmlns:com="http://schemas.openxmlformats.org/drawingml/2006/compatibility" xmlns:p15="http://schemas.microsoft.com/office/powerpoint/2012/main" xmlns:ahyp="http://schemas.microsoft.com/office/drawing/2018/hyperlinkcolor">
+    <mc:Fallback xmlns:ahyp="http://schemas.microsoft.com/office/drawing/2018/hyperlinkcolor" xmlns:p15="http://schemas.microsoft.com/office/powerpoint/2012/main" xmlns:com="http://schemas.openxmlformats.org/drawingml/2006/compatibility" xmlns:pvml="urn:schemas-microsoft-com:office:powerpoint" xmlns:v="urn:schemas-microsoft-com:vml" xmlns:o="urn:schemas-microsoft-com:office:office" xmlns:dgm="http://schemas.openxmlformats.org/drawingml/2006/diagram" xmlns:c="http://schemas.openxmlformats.org/drawingml/2006/chart" xmlns:mv="urn:schemas-microsoft-com:mac:vml" xmlns="">
       <p:transition spd="slow">
         <p:fade/>
       </p:transition>
@@ -38907,7 +38907,7 @@
         <p:fade/>
       </p:transition>
     </mc:Choice>
-    <mc:Fallback xmlns="" xmlns:mv="urn:schemas-microsoft-com:mac:vml" xmlns:c="http://schemas.openxmlformats.org/drawingml/2006/chart" xmlns:dgm="http://schemas.openxmlformats.org/drawingml/2006/diagram" xmlns:o="urn:schemas-microsoft-com:office:office" xmlns:v="urn:schemas-microsoft-com:vml" xmlns:pvml="urn:schemas-microsoft-com:office:powerpoint" xmlns:com="http://schemas.openxmlformats.org/drawingml/2006/compatibility" xmlns:p15="http://schemas.microsoft.com/office/powerpoint/2012/main" xmlns:ahyp="http://schemas.microsoft.com/office/drawing/2018/hyperlinkcolor">
+    <mc:Fallback xmlns:ahyp="http://schemas.microsoft.com/office/drawing/2018/hyperlinkcolor" xmlns:p15="http://schemas.microsoft.com/office/powerpoint/2012/main" xmlns:com="http://schemas.openxmlformats.org/drawingml/2006/compatibility" xmlns:pvml="urn:schemas-microsoft-com:office:powerpoint" xmlns:v="urn:schemas-microsoft-com:vml" xmlns:o="urn:schemas-microsoft-com:office:office" xmlns:dgm="http://schemas.openxmlformats.org/drawingml/2006/diagram" xmlns:c="http://schemas.openxmlformats.org/drawingml/2006/chart" xmlns:mv="urn:schemas-microsoft-com:mac:vml" xmlns="">
       <p:transition spd="slow">
         <p:fade/>
       </p:transition>
@@ -40408,7 +40408,7 @@
         <p:fade/>
       </p:transition>
     </mc:Choice>
-    <mc:Fallback xmlns="" xmlns:mv="urn:schemas-microsoft-com:mac:vml" xmlns:c="http://schemas.openxmlformats.org/drawingml/2006/chart" xmlns:dgm="http://schemas.openxmlformats.org/drawingml/2006/diagram" xmlns:o="urn:schemas-microsoft-com:office:office" xmlns:v="urn:schemas-microsoft-com:vml" xmlns:pvml="urn:schemas-microsoft-com:office:powerpoint" xmlns:com="http://schemas.openxmlformats.org/drawingml/2006/compatibility" xmlns:p15="http://schemas.microsoft.com/office/powerpoint/2012/main" xmlns:ahyp="http://schemas.microsoft.com/office/drawing/2018/hyperlinkcolor">
+    <mc:Fallback xmlns:ahyp="http://schemas.microsoft.com/office/drawing/2018/hyperlinkcolor" xmlns:p15="http://schemas.microsoft.com/office/powerpoint/2012/main" xmlns:com="http://schemas.openxmlformats.org/drawingml/2006/compatibility" xmlns:pvml="urn:schemas-microsoft-com:office:powerpoint" xmlns:v="urn:schemas-microsoft-com:vml" xmlns:o="urn:schemas-microsoft-com:office:office" xmlns:dgm="http://schemas.openxmlformats.org/drawingml/2006/diagram" xmlns:c="http://schemas.openxmlformats.org/drawingml/2006/chart" xmlns:mv="urn:schemas-microsoft-com:mac:vml" xmlns="">
       <p:transition spd="slow">
         <p:fade/>
       </p:transition>
@@ -42003,7 +42003,7 @@
         <p:fade/>
       </p:transition>
     </mc:Choice>
-    <mc:Fallback xmlns="" xmlns:mv="urn:schemas-microsoft-com:mac:vml" xmlns:c="http://schemas.openxmlformats.org/drawingml/2006/chart" xmlns:dgm="http://schemas.openxmlformats.org/drawingml/2006/diagram" xmlns:o="urn:schemas-microsoft-com:office:office" xmlns:v="urn:schemas-microsoft-com:vml" xmlns:pvml="urn:schemas-microsoft-com:office:powerpoint" xmlns:com="http://schemas.openxmlformats.org/drawingml/2006/compatibility" xmlns:p15="http://schemas.microsoft.com/office/powerpoint/2012/main" xmlns:ahyp="http://schemas.microsoft.com/office/drawing/2018/hyperlinkcolor">
+    <mc:Fallback xmlns:ahyp="http://schemas.microsoft.com/office/drawing/2018/hyperlinkcolor" xmlns:p15="http://schemas.microsoft.com/office/powerpoint/2012/main" xmlns:com="http://schemas.openxmlformats.org/drawingml/2006/compatibility" xmlns:pvml="urn:schemas-microsoft-com:office:powerpoint" xmlns:v="urn:schemas-microsoft-com:vml" xmlns:o="urn:schemas-microsoft-com:office:office" xmlns:dgm="http://schemas.openxmlformats.org/drawingml/2006/diagram" xmlns:c="http://schemas.openxmlformats.org/drawingml/2006/chart" xmlns:mv="urn:schemas-microsoft-com:mac:vml" xmlns="">
       <p:transition spd="slow">
         <p:fade/>
       </p:transition>
@@ -44111,7 +44111,7 @@
         <p:fade/>
       </p:transition>
     </mc:Choice>
-    <mc:Fallback xmlns="" xmlns:mv="urn:schemas-microsoft-com:mac:vml" xmlns:c="http://schemas.openxmlformats.org/drawingml/2006/chart" xmlns:dgm="http://schemas.openxmlformats.org/drawingml/2006/diagram" xmlns:o="urn:schemas-microsoft-com:office:office" xmlns:v="urn:schemas-microsoft-com:vml" xmlns:pvml="urn:schemas-microsoft-com:office:powerpoint" xmlns:com="http://schemas.openxmlformats.org/drawingml/2006/compatibility" xmlns:p15="http://schemas.microsoft.com/office/powerpoint/2012/main" xmlns:ahyp="http://schemas.microsoft.com/office/drawing/2018/hyperlinkcolor">
+    <mc:Fallback xmlns:ahyp="http://schemas.microsoft.com/office/drawing/2018/hyperlinkcolor" xmlns:p15="http://schemas.microsoft.com/office/powerpoint/2012/main" xmlns:com="http://schemas.openxmlformats.org/drawingml/2006/compatibility" xmlns:pvml="urn:schemas-microsoft-com:office:powerpoint" xmlns:v="urn:schemas-microsoft-com:vml" xmlns:o="urn:schemas-microsoft-com:office:office" xmlns:dgm="http://schemas.openxmlformats.org/drawingml/2006/diagram" xmlns:c="http://schemas.openxmlformats.org/drawingml/2006/chart" xmlns:mv="urn:schemas-microsoft-com:mac:vml" xmlns="">
       <p:transition spd="slow">
         <p:fade/>
       </p:transition>
@@ -45072,7 +45072,7 @@
         <p:fade/>
       </p:transition>
     </mc:Choice>
-    <mc:Fallback xmlns="" xmlns:mv="urn:schemas-microsoft-com:mac:vml" xmlns:c="http://schemas.openxmlformats.org/drawingml/2006/chart" xmlns:dgm="http://schemas.openxmlformats.org/drawingml/2006/diagram" xmlns:o="urn:schemas-microsoft-com:office:office" xmlns:v="urn:schemas-microsoft-com:vml" xmlns:pvml="urn:schemas-microsoft-com:office:powerpoint" xmlns:com="http://schemas.openxmlformats.org/drawingml/2006/compatibility" xmlns:p15="http://schemas.microsoft.com/office/powerpoint/2012/main" xmlns:ahyp="http://schemas.microsoft.com/office/drawing/2018/hyperlinkcolor">
+    <mc:Fallback xmlns:ahyp="http://schemas.microsoft.com/office/drawing/2018/hyperlinkcolor" xmlns:p15="http://schemas.microsoft.com/office/powerpoint/2012/main" xmlns:com="http://schemas.openxmlformats.org/drawingml/2006/compatibility" xmlns:pvml="urn:schemas-microsoft-com:office:powerpoint" xmlns:v="urn:schemas-microsoft-com:vml" xmlns:o="urn:schemas-microsoft-com:office:office" xmlns:dgm="http://schemas.openxmlformats.org/drawingml/2006/diagram" xmlns:c="http://schemas.openxmlformats.org/drawingml/2006/chart" xmlns:mv="urn:schemas-microsoft-com:mac:vml" xmlns="">
       <p:transition spd="slow">
         <p:fade/>
       </p:transition>
@@ -46215,7 +46215,7 @@
         <p:fade/>
       </p:transition>
     </mc:Choice>
-    <mc:Fallback xmlns="" xmlns:mv="urn:schemas-microsoft-com:mac:vml" xmlns:c="http://schemas.openxmlformats.org/drawingml/2006/chart" xmlns:dgm="http://schemas.openxmlformats.org/drawingml/2006/diagram" xmlns:o="urn:schemas-microsoft-com:office:office" xmlns:v="urn:schemas-microsoft-com:vml" xmlns:pvml="urn:schemas-microsoft-com:office:powerpoint" xmlns:com="http://schemas.openxmlformats.org/drawingml/2006/compatibility" xmlns:p15="http://schemas.microsoft.com/office/powerpoint/2012/main" xmlns:ahyp="http://schemas.microsoft.com/office/drawing/2018/hyperlinkcolor">
+    <mc:Fallback xmlns:ahyp="http://schemas.microsoft.com/office/drawing/2018/hyperlinkcolor" xmlns:p15="http://schemas.microsoft.com/office/powerpoint/2012/main" xmlns:com="http://schemas.openxmlformats.org/drawingml/2006/compatibility" xmlns:pvml="urn:schemas-microsoft-com:office:powerpoint" xmlns:v="urn:schemas-microsoft-com:vml" xmlns:o="urn:schemas-microsoft-com:office:office" xmlns:dgm="http://schemas.openxmlformats.org/drawingml/2006/diagram" xmlns:c="http://schemas.openxmlformats.org/drawingml/2006/chart" xmlns:mv="urn:schemas-microsoft-com:mac:vml" xmlns="">
       <p:transition spd="slow">
         <p:fade/>
       </p:transition>
@@ -47362,7 +47362,7 @@
         <p:fade/>
       </p:transition>
     </mc:Choice>
-    <mc:Fallback xmlns="" xmlns:mv="urn:schemas-microsoft-com:mac:vml" xmlns:c="http://schemas.openxmlformats.org/drawingml/2006/chart" xmlns:dgm="http://schemas.openxmlformats.org/drawingml/2006/diagram" xmlns:o="urn:schemas-microsoft-com:office:office" xmlns:v="urn:schemas-microsoft-com:vml" xmlns:pvml="urn:schemas-microsoft-com:office:powerpoint" xmlns:com="http://schemas.openxmlformats.org/drawingml/2006/compatibility" xmlns:p15="http://schemas.microsoft.com/office/powerpoint/2012/main" xmlns:ahyp="http://schemas.microsoft.com/office/drawing/2018/hyperlinkcolor">
+    <mc:Fallback xmlns:ahyp="http://schemas.microsoft.com/office/drawing/2018/hyperlinkcolor" xmlns:p15="http://schemas.microsoft.com/office/powerpoint/2012/main" xmlns:com="http://schemas.openxmlformats.org/drawingml/2006/compatibility" xmlns:pvml="urn:schemas-microsoft-com:office:powerpoint" xmlns:v="urn:schemas-microsoft-com:vml" xmlns:o="urn:schemas-microsoft-com:office:office" xmlns:dgm="http://schemas.openxmlformats.org/drawingml/2006/diagram" xmlns:c="http://schemas.openxmlformats.org/drawingml/2006/chart" xmlns:mv="urn:schemas-microsoft-com:mac:vml" xmlns="">
       <p:transition spd="slow">
         <p:fade/>
       </p:transition>
@@ -49039,7 +49039,7 @@
         <p:fade/>
       </p:transition>
     </mc:Choice>
-    <mc:Fallback xmlns="" xmlns:mv="urn:schemas-microsoft-com:mac:vml" xmlns:c="http://schemas.openxmlformats.org/drawingml/2006/chart" xmlns:dgm="http://schemas.openxmlformats.org/drawingml/2006/diagram" xmlns:o="urn:schemas-microsoft-com:office:office" xmlns:v="urn:schemas-microsoft-com:vml" xmlns:pvml="urn:schemas-microsoft-com:office:powerpoint" xmlns:com="http://schemas.openxmlformats.org/drawingml/2006/compatibility" xmlns:p15="http://schemas.microsoft.com/office/powerpoint/2012/main" xmlns:ahyp="http://schemas.microsoft.com/office/drawing/2018/hyperlinkcolor">
+    <mc:Fallback xmlns:ahyp="http://schemas.microsoft.com/office/drawing/2018/hyperlinkcolor" xmlns:p15="http://schemas.microsoft.com/office/powerpoint/2012/main" xmlns:com="http://schemas.openxmlformats.org/drawingml/2006/compatibility" xmlns:pvml="urn:schemas-microsoft-com:office:powerpoint" xmlns:v="urn:schemas-microsoft-com:vml" xmlns:o="urn:schemas-microsoft-com:office:office" xmlns:dgm="http://schemas.openxmlformats.org/drawingml/2006/diagram" xmlns:c="http://schemas.openxmlformats.org/drawingml/2006/chart" xmlns:mv="urn:schemas-microsoft-com:mac:vml" xmlns="">
       <p:transition spd="slow">
         <p:fade/>
       </p:transition>
@@ -50182,7 +50182,7 @@
         <p:fade/>
       </p:transition>
     </mc:Choice>
-    <mc:Fallback xmlns="" xmlns:mv="urn:schemas-microsoft-com:mac:vml" xmlns:c="http://schemas.openxmlformats.org/drawingml/2006/chart" xmlns:dgm="http://schemas.openxmlformats.org/drawingml/2006/diagram" xmlns:o="urn:schemas-microsoft-com:office:office" xmlns:v="urn:schemas-microsoft-com:vml" xmlns:pvml="urn:schemas-microsoft-com:office:powerpoint" xmlns:com="http://schemas.openxmlformats.org/drawingml/2006/compatibility" xmlns:p15="http://schemas.microsoft.com/office/powerpoint/2012/main" xmlns:ahyp="http://schemas.microsoft.com/office/drawing/2018/hyperlinkcolor">
+    <mc:Fallback xmlns:ahyp="http://schemas.microsoft.com/office/drawing/2018/hyperlinkcolor" xmlns:p15="http://schemas.microsoft.com/office/powerpoint/2012/main" xmlns:com="http://schemas.openxmlformats.org/drawingml/2006/compatibility" xmlns:pvml="urn:schemas-microsoft-com:office:powerpoint" xmlns:v="urn:schemas-microsoft-com:vml" xmlns:o="urn:schemas-microsoft-com:office:office" xmlns:dgm="http://schemas.openxmlformats.org/drawingml/2006/diagram" xmlns:c="http://schemas.openxmlformats.org/drawingml/2006/chart" xmlns:mv="urn:schemas-microsoft-com:mac:vml" xmlns="">
       <p:transition spd="slow">
         <p:fade/>
       </p:transition>
@@ -51265,7 +51265,7 @@
         <p:fade/>
       </p:transition>
     </mc:Choice>
-    <mc:Fallback xmlns="" xmlns:mv="urn:schemas-microsoft-com:mac:vml" xmlns:c="http://schemas.openxmlformats.org/drawingml/2006/chart" xmlns:dgm="http://schemas.openxmlformats.org/drawingml/2006/diagram" xmlns:o="urn:schemas-microsoft-com:office:office" xmlns:v="urn:schemas-microsoft-com:vml" xmlns:pvml="urn:schemas-microsoft-com:office:powerpoint" xmlns:com="http://schemas.openxmlformats.org/drawingml/2006/compatibility" xmlns:p15="http://schemas.microsoft.com/office/powerpoint/2012/main" xmlns:ahyp="http://schemas.microsoft.com/office/drawing/2018/hyperlinkcolor">
+    <mc:Fallback xmlns:ahyp="http://schemas.microsoft.com/office/drawing/2018/hyperlinkcolor" xmlns:p15="http://schemas.microsoft.com/office/powerpoint/2012/main" xmlns:com="http://schemas.openxmlformats.org/drawingml/2006/compatibility" xmlns:pvml="urn:schemas-microsoft-com:office:powerpoint" xmlns:v="urn:schemas-microsoft-com:vml" xmlns:o="urn:schemas-microsoft-com:office:office" xmlns:dgm="http://schemas.openxmlformats.org/drawingml/2006/diagram" xmlns:c="http://schemas.openxmlformats.org/drawingml/2006/chart" xmlns:mv="urn:schemas-microsoft-com:mac:vml" xmlns="">
       <p:transition spd="slow">
         <p:fade/>
       </p:transition>
@@ -52081,7 +52081,7 @@
         <p:spPr>
           <a:xfrm>
             <a:off x="695325" y="1496291"/>
-            <a:ext cx="10738247" cy="2315688"/>
+            <a:ext cx="10738247" cy="2655086"/>
           </a:xfrm>
         </p:spPr>
         <p:txBody>
@@ -52090,19 +52090,95 @@
           <a:p>
             <a:pPr algn="ctr"/>
             <a:r>
-              <a:rPr lang="en-AU" dirty="0"/>
+              <a:rPr lang="en-AU" b="1" dirty="0">
+                <a:solidFill>
+                  <a:schemeClr val="bg1">
+                    <a:lumMod val="95000"/>
+                  </a:schemeClr>
+                </a:solidFill>
+              </a:rPr>
               <a:t>A Corpus-Based Analysis of General Extenders in Irish English</a:t>
             </a:r>
             <a:br>
-              <a:rPr lang="en-AU" dirty="0"/>
-            </a:br>
-            <a:br>
-              <a:rPr lang="en-AU" dirty="0"/>
+              <a:rPr lang="en-AU" sz="1200" dirty="0">
+                <a:solidFill>
+                  <a:schemeClr val="bg1">
+                    <a:lumMod val="95000"/>
+                  </a:schemeClr>
+                </a:solidFill>
+              </a:rPr>
             </a:br>
             <a:r>
-              <a:rPr lang="en-AU" sz="2700" dirty="0"/>
-              <a:t>Martin Schweinberger</a:t>
+              <a:rPr lang="en-AU" sz="2700" dirty="0">
+                <a:solidFill>
+                  <a:schemeClr val="bg1">
+                    <a:lumMod val="95000"/>
+                  </a:schemeClr>
+                </a:solidFill>
+              </a:rPr>
+              <a:t>Martin </a:t>
             </a:r>
+            <a:r>
+              <a:rPr lang="en-AU" sz="2700" dirty="0">
+                <a:solidFill>
+                  <a:schemeClr val="bg1">
+                    <a:lumMod val="95000"/>
+                  </a:schemeClr>
+                </a:solidFill>
+                <a:effectLst>
+                  <a:outerShdw blurRad="38100" dist="38100" dir="2700000" algn="tl">
+                    <a:srgbClr val="000000">
+                      <a:alpha val="43137"/>
+                    </a:srgbClr>
+                  </a:outerShdw>
+                </a:effectLst>
+              </a:rPr>
+              <a:t>Schweinberger</a:t>
+            </a:r>
+            <a:br>
+              <a:rPr lang="en-AU" sz="2700" dirty="0">
+                <a:solidFill>
+                  <a:schemeClr val="bg1">
+                    <a:lumMod val="95000"/>
+                  </a:schemeClr>
+                </a:solidFill>
+                <a:effectLst>
+                  <a:outerShdw blurRad="38100" dist="38100" dir="2700000" algn="tl">
+                    <a:srgbClr val="000000">
+                      <a:alpha val="43137"/>
+                    </a:srgbClr>
+                  </a:outerShdw>
+                </a:effectLst>
+              </a:rPr>
+            </a:br>
+            <a:r>
+              <a:rPr lang="en-AU" sz="2000" dirty="0">
+                <a:solidFill>
+                  <a:schemeClr val="bg1">
+                    <a:lumMod val="95000"/>
+                  </a:schemeClr>
+                </a:solidFill>
+                <a:effectLst>
+                  <a:outerShdw blurRad="38100" dist="38100" dir="2700000" algn="tl">
+                    <a:srgbClr val="000000">
+                      <a:alpha val="43137"/>
+                    </a:srgbClr>
+                  </a:outerShdw>
+                </a:effectLst>
+                <a:latin typeface="Courier New" panose="02070309020205020404" pitchFamily="49" charset="0"/>
+                <a:cs typeface="Courier New" panose="02070309020205020404" pitchFamily="49" charset="0"/>
+              </a:rPr>
+              <a:t>https://github.com/MartinSchweinberger/GenExIrE</a:t>
+            </a:r>
+            <a:endParaRPr lang="en-AU" sz="2700" dirty="0">
+              <a:solidFill>
+                <a:schemeClr val="bg1">
+                  <a:lumMod val="95000"/>
+                </a:schemeClr>
+              </a:solidFill>
+              <a:latin typeface="Courier New" panose="02070309020205020404" pitchFamily="49" charset="0"/>
+              <a:cs typeface="Courier New" panose="02070309020205020404" pitchFamily="49" charset="0"/>
+            </a:endParaRPr>
           </a:p>
         </p:txBody>
       </p:sp>
@@ -52134,7 +52210,13 @@
           <a:p>
             <a:pPr algn="ctr"/>
             <a:r>
-              <a:rPr lang="en-AU" dirty="0"/>
+              <a:rPr lang="en-AU" dirty="0">
+                <a:solidFill>
+                  <a:schemeClr val="bg1">
+                    <a:lumMod val="95000"/>
+                  </a:schemeClr>
+                </a:solidFill>
+              </a:rPr>
               <a:t>NPIE 7, Cork, June 8-10, 2022</a:t>
             </a:r>
           </a:p>
@@ -52264,7 +52346,7 @@
         <p:fade/>
       </p:transition>
     </mc:Choice>
-    <mc:Fallback xmlns="" xmlns:mv="urn:schemas-microsoft-com:mac:vml" xmlns:c="http://schemas.openxmlformats.org/drawingml/2006/chart" xmlns:dgm="http://schemas.openxmlformats.org/drawingml/2006/diagram" xmlns:o="urn:schemas-microsoft-com:office:office" xmlns:v="urn:schemas-microsoft-com:vml" xmlns:pvml="urn:schemas-microsoft-com:office:powerpoint" xmlns:com="http://schemas.openxmlformats.org/drawingml/2006/compatibility" xmlns:p15="http://schemas.microsoft.com/office/powerpoint/2012/main" xmlns:ahyp="http://schemas.microsoft.com/office/drawing/2018/hyperlinkcolor">
+    <mc:Fallback xmlns:ahyp="http://schemas.microsoft.com/office/drawing/2018/hyperlinkcolor" xmlns:p15="http://schemas.microsoft.com/office/powerpoint/2012/main" xmlns:com="http://schemas.openxmlformats.org/drawingml/2006/compatibility" xmlns:pvml="urn:schemas-microsoft-com:office:powerpoint" xmlns:v="urn:schemas-microsoft-com:vml" xmlns:o="urn:schemas-microsoft-com:office:office" xmlns:dgm="http://schemas.openxmlformats.org/drawingml/2006/diagram" xmlns:c="http://schemas.openxmlformats.org/drawingml/2006/chart" xmlns:mv="urn:schemas-microsoft-com:mac:vml" xmlns="">
       <p:transition spd="slow">
         <p:fade/>
       </p:transition>
@@ -54081,7 +54163,7 @@
         <p:fade/>
       </p:transition>
     </mc:Choice>
-    <mc:Fallback xmlns="" xmlns:mv="urn:schemas-microsoft-com:mac:vml" xmlns:c="http://schemas.openxmlformats.org/drawingml/2006/chart" xmlns:dgm="http://schemas.openxmlformats.org/drawingml/2006/diagram" xmlns:o="urn:schemas-microsoft-com:office:office" xmlns:v="urn:schemas-microsoft-com:vml" xmlns:pvml="urn:schemas-microsoft-com:office:powerpoint" xmlns:com="http://schemas.openxmlformats.org/drawingml/2006/compatibility" xmlns:p15="http://schemas.microsoft.com/office/powerpoint/2012/main" xmlns:ahyp="http://schemas.microsoft.com/office/drawing/2018/hyperlinkcolor">
+    <mc:Fallback xmlns:ahyp="http://schemas.microsoft.com/office/drawing/2018/hyperlinkcolor" xmlns:p15="http://schemas.microsoft.com/office/powerpoint/2012/main" xmlns:com="http://schemas.openxmlformats.org/drawingml/2006/compatibility" xmlns:pvml="urn:schemas-microsoft-com:office:powerpoint" xmlns:v="urn:schemas-microsoft-com:vml" xmlns:o="urn:schemas-microsoft-com:office:office" xmlns:dgm="http://schemas.openxmlformats.org/drawingml/2006/diagram" xmlns:c="http://schemas.openxmlformats.org/drawingml/2006/chart" xmlns:mv="urn:schemas-microsoft-com:mac:vml" xmlns="">
       <p:transition spd="slow">
         <p:fade/>
       </p:transition>
@@ -58133,7 +58215,7 @@
         <p:fade/>
       </p:transition>
     </mc:Choice>
-    <mc:Fallback xmlns="" xmlns:mv="urn:schemas-microsoft-com:mac:vml" xmlns:c="http://schemas.openxmlformats.org/drawingml/2006/chart" xmlns:dgm="http://schemas.openxmlformats.org/drawingml/2006/diagram" xmlns:o="urn:schemas-microsoft-com:office:office" xmlns:v="urn:schemas-microsoft-com:vml" xmlns:pvml="urn:schemas-microsoft-com:office:powerpoint" xmlns:com="http://schemas.openxmlformats.org/drawingml/2006/compatibility" xmlns:p15="http://schemas.microsoft.com/office/powerpoint/2012/main" xmlns:ahyp="http://schemas.microsoft.com/office/drawing/2018/hyperlinkcolor">
+    <mc:Fallback xmlns:ahyp="http://schemas.microsoft.com/office/drawing/2018/hyperlinkcolor" xmlns:p15="http://schemas.microsoft.com/office/powerpoint/2012/main" xmlns:com="http://schemas.openxmlformats.org/drawingml/2006/compatibility" xmlns:pvml="urn:schemas-microsoft-com:office:powerpoint" xmlns:v="urn:schemas-microsoft-com:vml" xmlns:o="urn:schemas-microsoft-com:office:office" xmlns:dgm="http://schemas.openxmlformats.org/drawingml/2006/diagram" xmlns:c="http://schemas.openxmlformats.org/drawingml/2006/chart" xmlns:mv="urn:schemas-microsoft-com:mac:vml" xmlns="">
       <p:transition spd="slow">
         <p:fade/>
       </p:transition>
